--- a/Future work.pptx
+++ b/Future work.pptx
@@ -5,11 +5,10 @@
     <p:sldMasterId id="2147483648" r:id="rId1"/>
   </p:sldMasterIdLst>
   <p:notesMasterIdLst>
-    <p:notesMasterId r:id="rId4"/>
+    <p:notesMasterId r:id="rId3"/>
   </p:notesMasterIdLst>
   <p:sldIdLst>
-    <p:sldId id="256" r:id="rId2"/>
-    <p:sldId id="417" r:id="rId3"/>
+    <p:sldId id="417" r:id="rId2"/>
   </p:sldIdLst>
   <p:sldSz cx="12192000" cy="6858000"/>
   <p:notesSz cx="6858000" cy="9144000"/>
@@ -120,6 +119,27 @@
 <p188:authorLst xmlns:a="http://schemas.openxmlformats.org/drawingml/2006/main" xmlns:r="http://schemas.openxmlformats.org/officeDocument/2006/relationships" xmlns:p188="http://schemas.microsoft.com/office/powerpoint/2018/8/main">
   <p188:author id="{CC81E94B-7F5E-B268-A9C7-CB7EBC4E9E45}" name="Qian, Jane" initials="JQ" userId="S::jane.qian@abbvie.com::96748a4b-cf1f-439c-8624-285ef46ac6dc" providerId="AD"/>
 </p188:authorLst>
+</file>
+
+<file path=ppt/changesInfos/changesInfo1.xml><?xml version="1.0" encoding="utf-8"?>
+<pc:chgInfo xmlns:a="http://schemas.openxmlformats.org/drawingml/2006/main" xmlns:r="http://schemas.openxmlformats.org/officeDocument/2006/relationships" xmlns:ac="http://schemas.microsoft.com/office/drawing/2013/main/command" xmlns:pc="http://schemas.microsoft.com/office/powerpoint/2013/main/command">
+  <pc:docChgLst>
+    <pc:chgData name="ming fei" userId="42a553d64e8a82a7" providerId="LiveId" clId="{D23DDF4D-930F-45A6-BAD2-4E3BBB35677E}"/>
+    <pc:docChg chg="delSld">
+      <pc:chgData name="ming fei" userId="42a553d64e8a82a7" providerId="LiveId" clId="{D23DDF4D-930F-45A6-BAD2-4E3BBB35677E}" dt="2025-11-07T17:09:35.495" v="0" actId="2696"/>
+      <pc:docMkLst>
+        <pc:docMk/>
+      </pc:docMkLst>
+      <pc:sldChg chg="del">
+        <pc:chgData name="ming fei" userId="42a553d64e8a82a7" providerId="LiveId" clId="{D23DDF4D-930F-45A6-BAD2-4E3BBB35677E}" dt="2025-11-07T17:09:35.495" v="0" actId="2696"/>
+        <pc:sldMkLst>
+          <pc:docMk/>
+          <pc:sldMk cId="3204113188" sldId="256"/>
+        </pc:sldMkLst>
+      </pc:sldChg>
+    </pc:docChg>
+  </pc:docChgLst>
+</pc:chgInfo>
 </file>
 
 <file path=ppt/diagrams/colors1.xml><?xml version="1.0" encoding="utf-8"?>
@@ -5261,7 +5281,7 @@
           <a:p>
             <a:fld id="{4F08EECE-C75E-4631-80A4-6AC179444B51}" type="datetimeFigureOut">
               <a:rPr lang="en-US" smtClean="0"/>
-              <a:t>11/6/2025</a:t>
+              <a:t>11/7/2025</a:t>
             </a:fld>
             <a:endParaRPr lang="en-US"/>
           </a:p>
@@ -5645,7 +5665,7 @@
                 <a:tabLst/>
                 <a:defRPr/>
               </a:pPr>
-              <a:t>2</a:t>
+              <a:t>1</a:t>
             </a:fld>
             <a:endParaRPr kumimoji="0" lang="en-GB" sz="1200" b="0" i="0" u="none" strike="noStrike" kern="1200" cap="none" spc="0" normalizeH="0" baseline="0" noProof="0">
               <a:ln>
@@ -5879,7 +5899,7 @@
           <a:p>
             <a:fld id="{886371F7-F0CD-4D7A-8024-53CA4D42F509}" type="datetimeFigureOut">
               <a:rPr lang="en-US" smtClean="0"/>
-              <a:t>11/6/2025</a:t>
+              <a:t>11/7/2025</a:t>
             </a:fld>
             <a:endParaRPr lang="en-US"/>
           </a:p>
@@ -6077,7 +6097,7 @@
           <a:p>
             <a:fld id="{886371F7-F0CD-4D7A-8024-53CA4D42F509}" type="datetimeFigureOut">
               <a:rPr lang="en-US" smtClean="0"/>
-              <a:t>11/6/2025</a:t>
+              <a:t>11/7/2025</a:t>
             </a:fld>
             <a:endParaRPr lang="en-US"/>
           </a:p>
@@ -6285,7 +6305,7 @@
           <a:p>
             <a:fld id="{886371F7-F0CD-4D7A-8024-53CA4D42F509}" type="datetimeFigureOut">
               <a:rPr lang="en-US" smtClean="0"/>
-              <a:t>11/6/2025</a:t>
+              <a:t>11/7/2025</a:t>
             </a:fld>
             <a:endParaRPr lang="en-US"/>
           </a:p>
@@ -7446,7 +7466,7 @@
           <a:p>
             <a:fld id="{886371F7-F0CD-4D7A-8024-53CA4D42F509}" type="datetimeFigureOut">
               <a:rPr lang="en-US" smtClean="0"/>
-              <a:t>11/6/2025</a:t>
+              <a:t>11/7/2025</a:t>
             </a:fld>
             <a:endParaRPr lang="en-US"/>
           </a:p>
@@ -7721,7 +7741,7 @@
           <a:p>
             <a:fld id="{886371F7-F0CD-4D7A-8024-53CA4D42F509}" type="datetimeFigureOut">
               <a:rPr lang="en-US" smtClean="0"/>
-              <a:t>11/6/2025</a:t>
+              <a:t>11/7/2025</a:t>
             </a:fld>
             <a:endParaRPr lang="en-US"/>
           </a:p>
@@ -7986,7 +8006,7 @@
           <a:p>
             <a:fld id="{886371F7-F0CD-4D7A-8024-53CA4D42F509}" type="datetimeFigureOut">
               <a:rPr lang="en-US" smtClean="0"/>
-              <a:t>11/6/2025</a:t>
+              <a:t>11/7/2025</a:t>
             </a:fld>
             <a:endParaRPr lang="en-US"/>
           </a:p>
@@ -8398,7 +8418,7 @@
           <a:p>
             <a:fld id="{886371F7-F0CD-4D7A-8024-53CA4D42F509}" type="datetimeFigureOut">
               <a:rPr lang="en-US" smtClean="0"/>
-              <a:t>11/6/2025</a:t>
+              <a:t>11/7/2025</a:t>
             </a:fld>
             <a:endParaRPr lang="en-US"/>
           </a:p>
@@ -8539,7 +8559,7 @@
           <a:p>
             <a:fld id="{886371F7-F0CD-4D7A-8024-53CA4D42F509}" type="datetimeFigureOut">
               <a:rPr lang="en-US" smtClean="0"/>
-              <a:t>11/6/2025</a:t>
+              <a:t>11/7/2025</a:t>
             </a:fld>
             <a:endParaRPr lang="en-US"/>
           </a:p>
@@ -8652,7 +8672,7 @@
           <a:p>
             <a:fld id="{886371F7-F0CD-4D7A-8024-53CA4D42F509}" type="datetimeFigureOut">
               <a:rPr lang="en-US" smtClean="0"/>
-              <a:t>11/6/2025</a:t>
+              <a:t>11/7/2025</a:t>
             </a:fld>
             <a:endParaRPr lang="en-US"/>
           </a:p>
@@ -8963,7 +8983,7 @@
           <a:p>
             <a:fld id="{886371F7-F0CD-4D7A-8024-53CA4D42F509}" type="datetimeFigureOut">
               <a:rPr lang="en-US" smtClean="0"/>
-              <a:t>11/6/2025</a:t>
+              <a:t>11/7/2025</a:t>
             </a:fld>
             <a:endParaRPr lang="en-US"/>
           </a:p>
@@ -9251,7 +9271,7 @@
           <a:p>
             <a:fld id="{886371F7-F0CD-4D7A-8024-53CA4D42F509}" type="datetimeFigureOut">
               <a:rPr lang="en-US" smtClean="0"/>
-              <a:t>11/6/2025</a:t>
+              <a:t>11/7/2025</a:t>
             </a:fld>
             <a:endParaRPr lang="en-US"/>
           </a:p>
@@ -9492,7 +9512,7 @@
           <a:p>
             <a:fld id="{886371F7-F0CD-4D7A-8024-53CA4D42F509}" type="datetimeFigureOut">
               <a:rPr lang="en-US" smtClean="0"/>
-              <a:t>11/6/2025</a:t>
+              <a:t>11/7/2025</a:t>
             </a:fld>
             <a:endParaRPr lang="en-US"/>
           </a:p>
@@ -9912,86 +9932,6 @@
       </p:grpSpPr>
       <p:sp>
         <p:nvSpPr>
-          <p:cNvPr id="2" name="Title 1">
-            <a:extLst>
-              <a:ext uri="{FF2B5EF4-FFF2-40B4-BE49-F238E27FC236}">
-                <a16:creationId xmlns:a16="http://schemas.microsoft.com/office/drawing/2014/main" id="{DC97F684-46E6-C946-3767-1B48FFF3F291}"/>
-              </a:ext>
-            </a:extLst>
-          </p:cNvPr>
-          <p:cNvSpPr>
-            <a:spLocks noGrp="1"/>
-          </p:cNvSpPr>
-          <p:nvPr>
-            <p:ph type="ctrTitle"/>
-          </p:nvPr>
-        </p:nvSpPr>
-        <p:spPr/>
-        <p:txBody>
-          <a:bodyPr/>
-          <a:lstStyle/>
-          <a:p>
-            <a:endParaRPr lang="en-US" dirty="0"/>
-          </a:p>
-        </p:txBody>
-      </p:sp>
-      <p:sp>
-        <p:nvSpPr>
-          <p:cNvPr id="3" name="Subtitle 2">
-            <a:extLst>
-              <a:ext uri="{FF2B5EF4-FFF2-40B4-BE49-F238E27FC236}">
-                <a16:creationId xmlns:a16="http://schemas.microsoft.com/office/drawing/2014/main" id="{1A86FCB0-99D6-C55A-CD2B-D7CBF684D237}"/>
-              </a:ext>
-            </a:extLst>
-          </p:cNvPr>
-          <p:cNvSpPr>
-            <a:spLocks noGrp="1"/>
-          </p:cNvSpPr>
-          <p:nvPr>
-            <p:ph type="subTitle" idx="1"/>
-          </p:nvPr>
-        </p:nvSpPr>
-        <p:spPr/>
-        <p:txBody>
-          <a:bodyPr/>
-          <a:lstStyle/>
-          <a:p>
-            <a:endParaRPr lang="en-US"/>
-          </a:p>
-        </p:txBody>
-      </p:sp>
-    </p:spTree>
-    <p:extLst>
-      <p:ext uri="{BB962C8B-B14F-4D97-AF65-F5344CB8AC3E}">
-        <p14:creationId xmlns:p14="http://schemas.microsoft.com/office/powerpoint/2010/main" val="3204113188"/>
-      </p:ext>
-    </p:extLst>
-  </p:cSld>
-  <p:clrMapOvr>
-    <a:masterClrMapping/>
-  </p:clrMapOvr>
-</p:sld>
-</file>
-
-<file path=ppt/slides/slide2.xml><?xml version="1.0" encoding="utf-8"?>
-<p:sld xmlns:a="http://schemas.openxmlformats.org/drawingml/2006/main" xmlns:r="http://schemas.openxmlformats.org/officeDocument/2006/relationships" xmlns:p="http://schemas.openxmlformats.org/presentationml/2006/main">
-  <p:cSld>
-    <p:spTree>
-      <p:nvGrpSpPr>
-        <p:cNvPr id="1" name=""/>
-        <p:cNvGrpSpPr/>
-        <p:nvPr/>
-      </p:nvGrpSpPr>
-      <p:grpSpPr>
-        <a:xfrm>
-          <a:off x="0" y="0"/>
-          <a:ext cx="0" cy="0"/>
-          <a:chOff x="0" y="0"/>
-          <a:chExt cx="0" cy="0"/>
-        </a:xfrm>
-      </p:grpSpPr>
-      <p:sp>
-        <p:nvSpPr>
           <p:cNvPr id="12" name="Text Placeholder 11">
             <a:extLst>
               <a:ext uri="{FF2B5EF4-FFF2-40B4-BE49-F238E27FC236}">
@@ -10137,7 +10077,7 @@
                 <a:tabLst/>
                 <a:defRPr/>
               </a:pPr>
-              <a:t>2</a:t>
+              <a:t>1</a:t>
             </a:fld>
             <a:endParaRPr kumimoji="0" lang="en-GB" sz="1000" b="0" i="0" u="none" strike="noStrike" kern="1200" cap="none" spc="0" normalizeH="0" baseline="0" noProof="0">
               <a:ln>
